--- a/ppt 16-9/0768.救主领我出.pptx
+++ b/ppt 16-9/0768.救主领我出.pptx
@@ -129,7 +129,7 @@
           <p:cNvPr id="2" name="标题 1">
             <a:extLst>
               <a:ext uri="{FF2B5EF4-FFF2-40B4-BE49-F238E27FC236}">
-                <a16:creationId xmlns:a16="http://schemas.microsoft.com/office/drawing/2014/main" id="{74292724-2076-7742-2B5B-9B0927DC4714}"/>
+                <a16:creationId xmlns:a16="http://schemas.microsoft.com/office/drawing/2014/main" id="{FB4B6A19-F5A7-317F-E652-D67E03016360}"/>
               </a:ext>
             </a:extLst>
           </p:cNvPr>
@@ -166,7 +166,7 @@
           <p:cNvPr id="3" name="副标题 2">
             <a:extLst>
               <a:ext uri="{FF2B5EF4-FFF2-40B4-BE49-F238E27FC236}">
-                <a16:creationId xmlns:a16="http://schemas.microsoft.com/office/drawing/2014/main" id="{7BE9C3DC-3242-6092-B6B3-B27C5939AACC}"/>
+                <a16:creationId xmlns:a16="http://schemas.microsoft.com/office/drawing/2014/main" id="{ABD70FAA-8CB7-8EAC-8472-F4DBD82AD91D}"/>
               </a:ext>
             </a:extLst>
           </p:cNvPr>
@@ -236,7 +236,7 @@
           <p:cNvPr id="4" name="日期占位符 3">
             <a:extLst>
               <a:ext uri="{FF2B5EF4-FFF2-40B4-BE49-F238E27FC236}">
-                <a16:creationId xmlns:a16="http://schemas.microsoft.com/office/drawing/2014/main" id="{5AEDDEBC-7787-1D13-944C-A723E3A3C9EE}"/>
+                <a16:creationId xmlns:a16="http://schemas.microsoft.com/office/drawing/2014/main" id="{041372B6-0451-4373-367B-0DE7D65379FD}"/>
               </a:ext>
             </a:extLst>
           </p:cNvPr>
@@ -252,7 +252,7 @@
           <a:bodyPr/>
           <a:lstStyle/>
           <a:p>
-            <a:fld id="{3C6690E3-5903-431B-AB2E-CD27FC6C7B76}" type="datetimeFigureOut">
+            <a:fld id="{3119A945-9B79-4EDB-80D6-373CBF91E915}" type="datetimeFigureOut">
               <a:rPr lang="zh-CN" altLang="en-US" smtClean="0"/>
               <a:t>2024/3/10</a:t>
             </a:fld>
@@ -265,7 +265,7 @@
           <p:cNvPr id="5" name="页脚占位符 4">
             <a:extLst>
               <a:ext uri="{FF2B5EF4-FFF2-40B4-BE49-F238E27FC236}">
-                <a16:creationId xmlns:a16="http://schemas.microsoft.com/office/drawing/2014/main" id="{A276F4BB-D863-DEFC-3F2C-3BC431E2E331}"/>
+                <a16:creationId xmlns:a16="http://schemas.microsoft.com/office/drawing/2014/main" id="{1C0D7221-E719-5BA6-340C-EECE2B317E33}"/>
               </a:ext>
             </a:extLst>
           </p:cNvPr>
@@ -290,7 +290,7 @@
           <p:cNvPr id="6" name="灯片编号占位符 5">
             <a:extLst>
               <a:ext uri="{FF2B5EF4-FFF2-40B4-BE49-F238E27FC236}">
-                <a16:creationId xmlns:a16="http://schemas.microsoft.com/office/drawing/2014/main" id="{53FFF352-1BE2-73FE-89CE-18B19532830E}"/>
+                <a16:creationId xmlns:a16="http://schemas.microsoft.com/office/drawing/2014/main" id="{A4F59FD8-1237-7378-6E51-98E5F7A9CD9F}"/>
               </a:ext>
             </a:extLst>
           </p:cNvPr>
@@ -306,7 +306,7 @@
           <a:bodyPr/>
           <a:lstStyle/>
           <a:p>
-            <a:fld id="{F2A3EF8B-C0B0-434C-AB0D-2D842AA33D39}" type="slidenum">
+            <a:fld id="{556BCA43-3792-4DEB-BA6F-C5C3FAFE0215}" type="slidenum">
               <a:rPr lang="zh-CN" altLang="en-US" smtClean="0"/>
               <a:t>‹#›</a:t>
             </a:fld>
@@ -317,7 +317,7 @@
     </p:spTree>
     <p:extLst>
       <p:ext uri="{BB962C8B-B14F-4D97-AF65-F5344CB8AC3E}">
-        <p14:creationId xmlns:p14="http://schemas.microsoft.com/office/powerpoint/2010/main" val="3968610915"/>
+        <p14:creationId xmlns:p14="http://schemas.microsoft.com/office/powerpoint/2010/main" val="1052089582"/>
       </p:ext>
     </p:extLst>
   </p:cSld>
@@ -349,7 +349,7 @@
           <p:cNvPr id="2" name="标题 1">
             <a:extLst>
               <a:ext uri="{FF2B5EF4-FFF2-40B4-BE49-F238E27FC236}">
-                <a16:creationId xmlns:a16="http://schemas.microsoft.com/office/drawing/2014/main" id="{1FAEEDE9-8EDC-956E-A8C5-A5863338C816}"/>
+                <a16:creationId xmlns:a16="http://schemas.microsoft.com/office/drawing/2014/main" id="{3F203A61-BE69-FD9C-F303-3E671BE1A154}"/>
               </a:ext>
             </a:extLst>
           </p:cNvPr>
@@ -377,7 +377,7 @@
           <p:cNvPr id="3" name="竖排文字占位符 2">
             <a:extLst>
               <a:ext uri="{FF2B5EF4-FFF2-40B4-BE49-F238E27FC236}">
-                <a16:creationId xmlns:a16="http://schemas.microsoft.com/office/drawing/2014/main" id="{6F6D7E67-56E8-F263-53F3-B6ADA82E90C5}"/>
+                <a16:creationId xmlns:a16="http://schemas.microsoft.com/office/drawing/2014/main" id="{485CFD97-B5CF-9FC3-BAC0-63C4F1E15138}"/>
               </a:ext>
             </a:extLst>
           </p:cNvPr>
@@ -434,7 +434,7 @@
           <p:cNvPr id="4" name="日期占位符 3">
             <a:extLst>
               <a:ext uri="{FF2B5EF4-FFF2-40B4-BE49-F238E27FC236}">
-                <a16:creationId xmlns:a16="http://schemas.microsoft.com/office/drawing/2014/main" id="{4E08A713-938A-BF72-BD14-51C361F3FE36}"/>
+                <a16:creationId xmlns:a16="http://schemas.microsoft.com/office/drawing/2014/main" id="{5D4C4F28-26E6-8B52-E397-983449E83330}"/>
               </a:ext>
             </a:extLst>
           </p:cNvPr>
@@ -450,7 +450,7 @@
           <a:bodyPr/>
           <a:lstStyle/>
           <a:p>
-            <a:fld id="{3C6690E3-5903-431B-AB2E-CD27FC6C7B76}" type="datetimeFigureOut">
+            <a:fld id="{3119A945-9B79-4EDB-80D6-373CBF91E915}" type="datetimeFigureOut">
               <a:rPr lang="zh-CN" altLang="en-US" smtClean="0"/>
               <a:t>2024/3/10</a:t>
             </a:fld>
@@ -463,7 +463,7 @@
           <p:cNvPr id="5" name="页脚占位符 4">
             <a:extLst>
               <a:ext uri="{FF2B5EF4-FFF2-40B4-BE49-F238E27FC236}">
-                <a16:creationId xmlns:a16="http://schemas.microsoft.com/office/drawing/2014/main" id="{911577CB-31DB-1A95-1503-1562BA607015}"/>
+                <a16:creationId xmlns:a16="http://schemas.microsoft.com/office/drawing/2014/main" id="{491EFFA2-2C66-6F01-0D39-08D9893A21E0}"/>
               </a:ext>
             </a:extLst>
           </p:cNvPr>
@@ -488,7 +488,7 @@
           <p:cNvPr id="6" name="灯片编号占位符 5">
             <a:extLst>
               <a:ext uri="{FF2B5EF4-FFF2-40B4-BE49-F238E27FC236}">
-                <a16:creationId xmlns:a16="http://schemas.microsoft.com/office/drawing/2014/main" id="{50983A7B-06A2-7716-69CB-C13052375574}"/>
+                <a16:creationId xmlns:a16="http://schemas.microsoft.com/office/drawing/2014/main" id="{BC400103-13C2-D5A1-2064-9123032EC0AC}"/>
               </a:ext>
             </a:extLst>
           </p:cNvPr>
@@ -504,7 +504,7 @@
           <a:bodyPr/>
           <a:lstStyle/>
           <a:p>
-            <a:fld id="{F2A3EF8B-C0B0-434C-AB0D-2D842AA33D39}" type="slidenum">
+            <a:fld id="{556BCA43-3792-4DEB-BA6F-C5C3FAFE0215}" type="slidenum">
               <a:rPr lang="zh-CN" altLang="en-US" smtClean="0"/>
               <a:t>‹#›</a:t>
             </a:fld>
@@ -515,7 +515,7 @@
     </p:spTree>
     <p:extLst>
       <p:ext uri="{BB962C8B-B14F-4D97-AF65-F5344CB8AC3E}">
-        <p14:creationId xmlns:p14="http://schemas.microsoft.com/office/powerpoint/2010/main" val="2168591825"/>
+        <p14:creationId xmlns:p14="http://schemas.microsoft.com/office/powerpoint/2010/main" val="716502010"/>
       </p:ext>
     </p:extLst>
   </p:cSld>
@@ -547,7 +547,7 @@
           <p:cNvPr id="2" name="竖排标题 1">
             <a:extLst>
               <a:ext uri="{FF2B5EF4-FFF2-40B4-BE49-F238E27FC236}">
-                <a16:creationId xmlns:a16="http://schemas.microsoft.com/office/drawing/2014/main" id="{48C1C07E-10F6-D9E0-8557-515882BCD657}"/>
+                <a16:creationId xmlns:a16="http://schemas.microsoft.com/office/drawing/2014/main" id="{005F939A-6B4F-6AEE-39DE-C38FD80AAE3F}"/>
               </a:ext>
             </a:extLst>
           </p:cNvPr>
@@ -580,7 +580,7 @@
           <p:cNvPr id="3" name="竖排文字占位符 2">
             <a:extLst>
               <a:ext uri="{FF2B5EF4-FFF2-40B4-BE49-F238E27FC236}">
-                <a16:creationId xmlns:a16="http://schemas.microsoft.com/office/drawing/2014/main" id="{4634F1C8-3F82-75E8-673A-14AA94E3913D}"/>
+                <a16:creationId xmlns:a16="http://schemas.microsoft.com/office/drawing/2014/main" id="{925C5BFB-7A6B-593A-37B0-7501DC457E82}"/>
               </a:ext>
             </a:extLst>
           </p:cNvPr>
@@ -642,7 +642,7 @@
           <p:cNvPr id="4" name="日期占位符 3">
             <a:extLst>
               <a:ext uri="{FF2B5EF4-FFF2-40B4-BE49-F238E27FC236}">
-                <a16:creationId xmlns:a16="http://schemas.microsoft.com/office/drawing/2014/main" id="{6068BFBE-88DA-E07D-2163-A024CE013F71}"/>
+                <a16:creationId xmlns:a16="http://schemas.microsoft.com/office/drawing/2014/main" id="{A9CB5B4B-2EB4-7F6B-4707-A8018197EBAA}"/>
               </a:ext>
             </a:extLst>
           </p:cNvPr>
@@ -658,7 +658,7 @@
           <a:bodyPr/>
           <a:lstStyle/>
           <a:p>
-            <a:fld id="{3C6690E3-5903-431B-AB2E-CD27FC6C7B76}" type="datetimeFigureOut">
+            <a:fld id="{3119A945-9B79-4EDB-80D6-373CBF91E915}" type="datetimeFigureOut">
               <a:rPr lang="zh-CN" altLang="en-US" smtClean="0"/>
               <a:t>2024/3/10</a:t>
             </a:fld>
@@ -671,7 +671,7 @@
           <p:cNvPr id="5" name="页脚占位符 4">
             <a:extLst>
               <a:ext uri="{FF2B5EF4-FFF2-40B4-BE49-F238E27FC236}">
-                <a16:creationId xmlns:a16="http://schemas.microsoft.com/office/drawing/2014/main" id="{62D6F044-C0A6-36CF-F9FF-2C0806F27A73}"/>
+                <a16:creationId xmlns:a16="http://schemas.microsoft.com/office/drawing/2014/main" id="{CD746B9D-997B-6E17-8918-B673813F19E7}"/>
               </a:ext>
             </a:extLst>
           </p:cNvPr>
@@ -696,7 +696,7 @@
           <p:cNvPr id="6" name="灯片编号占位符 5">
             <a:extLst>
               <a:ext uri="{FF2B5EF4-FFF2-40B4-BE49-F238E27FC236}">
-                <a16:creationId xmlns:a16="http://schemas.microsoft.com/office/drawing/2014/main" id="{2C25BCFC-DF1C-C08B-4AF3-A040B9E4DED8}"/>
+                <a16:creationId xmlns:a16="http://schemas.microsoft.com/office/drawing/2014/main" id="{B6E9C05E-32D2-78B1-6A46-8DAACC82F745}"/>
               </a:ext>
             </a:extLst>
           </p:cNvPr>
@@ -712,7 +712,7 @@
           <a:bodyPr/>
           <a:lstStyle/>
           <a:p>
-            <a:fld id="{F2A3EF8B-C0B0-434C-AB0D-2D842AA33D39}" type="slidenum">
+            <a:fld id="{556BCA43-3792-4DEB-BA6F-C5C3FAFE0215}" type="slidenum">
               <a:rPr lang="zh-CN" altLang="en-US" smtClean="0"/>
               <a:t>‹#›</a:t>
             </a:fld>
@@ -723,7 +723,7 @@
     </p:spTree>
     <p:extLst>
       <p:ext uri="{BB962C8B-B14F-4D97-AF65-F5344CB8AC3E}">
-        <p14:creationId xmlns:p14="http://schemas.microsoft.com/office/powerpoint/2010/main" val="2126773044"/>
+        <p14:creationId xmlns:p14="http://schemas.microsoft.com/office/powerpoint/2010/main" val="3597491029"/>
       </p:ext>
     </p:extLst>
   </p:cSld>
@@ -755,7 +755,7 @@
           <p:cNvPr id="2" name="标题 1">
             <a:extLst>
               <a:ext uri="{FF2B5EF4-FFF2-40B4-BE49-F238E27FC236}">
-                <a16:creationId xmlns:a16="http://schemas.microsoft.com/office/drawing/2014/main" id="{8DA82EC1-810A-51DF-615E-14370029E507}"/>
+                <a16:creationId xmlns:a16="http://schemas.microsoft.com/office/drawing/2014/main" id="{B9FF89FF-2411-7E1D-A3BA-1A7DF0ABCCE5}"/>
               </a:ext>
             </a:extLst>
           </p:cNvPr>
@@ -783,7 +783,7 @@
           <p:cNvPr id="3" name="内容占位符 2">
             <a:extLst>
               <a:ext uri="{FF2B5EF4-FFF2-40B4-BE49-F238E27FC236}">
-                <a16:creationId xmlns:a16="http://schemas.microsoft.com/office/drawing/2014/main" id="{3D8EE5D4-43BB-0F3F-60CD-9E7A79CD0FE7}"/>
+                <a16:creationId xmlns:a16="http://schemas.microsoft.com/office/drawing/2014/main" id="{6D6B1EAE-DF41-36C9-FB6C-96482CE38896}"/>
               </a:ext>
             </a:extLst>
           </p:cNvPr>
@@ -840,7 +840,7 @@
           <p:cNvPr id="4" name="日期占位符 3">
             <a:extLst>
               <a:ext uri="{FF2B5EF4-FFF2-40B4-BE49-F238E27FC236}">
-                <a16:creationId xmlns:a16="http://schemas.microsoft.com/office/drawing/2014/main" id="{727F7B5F-EE75-159A-33FC-19B28BFE7BD5}"/>
+                <a16:creationId xmlns:a16="http://schemas.microsoft.com/office/drawing/2014/main" id="{DA43E790-72DC-FCEF-2532-582C62FEE72F}"/>
               </a:ext>
             </a:extLst>
           </p:cNvPr>
@@ -856,7 +856,7 @@
           <a:bodyPr/>
           <a:lstStyle/>
           <a:p>
-            <a:fld id="{3C6690E3-5903-431B-AB2E-CD27FC6C7B76}" type="datetimeFigureOut">
+            <a:fld id="{3119A945-9B79-4EDB-80D6-373CBF91E915}" type="datetimeFigureOut">
               <a:rPr lang="zh-CN" altLang="en-US" smtClean="0"/>
               <a:t>2024/3/10</a:t>
             </a:fld>
@@ -869,7 +869,7 @@
           <p:cNvPr id="5" name="页脚占位符 4">
             <a:extLst>
               <a:ext uri="{FF2B5EF4-FFF2-40B4-BE49-F238E27FC236}">
-                <a16:creationId xmlns:a16="http://schemas.microsoft.com/office/drawing/2014/main" id="{BE12322A-DEFD-B40D-0177-A8BD951A6DA2}"/>
+                <a16:creationId xmlns:a16="http://schemas.microsoft.com/office/drawing/2014/main" id="{E990D3CA-A1A6-EB9E-D2D5-332AC0D8BFE7}"/>
               </a:ext>
             </a:extLst>
           </p:cNvPr>
@@ -894,7 +894,7 @@
           <p:cNvPr id="6" name="灯片编号占位符 5">
             <a:extLst>
               <a:ext uri="{FF2B5EF4-FFF2-40B4-BE49-F238E27FC236}">
-                <a16:creationId xmlns:a16="http://schemas.microsoft.com/office/drawing/2014/main" id="{F3EC043C-EE3F-CA05-096B-172EEC94744B}"/>
+                <a16:creationId xmlns:a16="http://schemas.microsoft.com/office/drawing/2014/main" id="{EC2103C5-29C8-A8FC-4572-D215BBD3CFDB}"/>
               </a:ext>
             </a:extLst>
           </p:cNvPr>
@@ -910,7 +910,7 @@
           <a:bodyPr/>
           <a:lstStyle/>
           <a:p>
-            <a:fld id="{F2A3EF8B-C0B0-434C-AB0D-2D842AA33D39}" type="slidenum">
+            <a:fld id="{556BCA43-3792-4DEB-BA6F-C5C3FAFE0215}" type="slidenum">
               <a:rPr lang="zh-CN" altLang="en-US" smtClean="0"/>
               <a:t>‹#›</a:t>
             </a:fld>
@@ -921,7 +921,7 @@
     </p:spTree>
     <p:extLst>
       <p:ext uri="{BB962C8B-B14F-4D97-AF65-F5344CB8AC3E}">
-        <p14:creationId xmlns:p14="http://schemas.microsoft.com/office/powerpoint/2010/main" val="4152474221"/>
+        <p14:creationId xmlns:p14="http://schemas.microsoft.com/office/powerpoint/2010/main" val="605769811"/>
       </p:ext>
     </p:extLst>
   </p:cSld>
@@ -953,7 +953,7 @@
           <p:cNvPr id="2" name="标题 1">
             <a:extLst>
               <a:ext uri="{FF2B5EF4-FFF2-40B4-BE49-F238E27FC236}">
-                <a16:creationId xmlns:a16="http://schemas.microsoft.com/office/drawing/2014/main" id="{2E5FD83C-DF21-87E5-02C2-9799687211A8}"/>
+                <a16:creationId xmlns:a16="http://schemas.microsoft.com/office/drawing/2014/main" id="{4BCE9DE4-B3E6-065C-1805-722C99181FA5}"/>
               </a:ext>
             </a:extLst>
           </p:cNvPr>
@@ -990,7 +990,7 @@
           <p:cNvPr id="3" name="文本占位符 2">
             <a:extLst>
               <a:ext uri="{FF2B5EF4-FFF2-40B4-BE49-F238E27FC236}">
-                <a16:creationId xmlns:a16="http://schemas.microsoft.com/office/drawing/2014/main" id="{81BCBB87-DC3C-BF8B-8330-4656270E13F4}"/>
+                <a16:creationId xmlns:a16="http://schemas.microsoft.com/office/drawing/2014/main" id="{D9C1E194-DCA5-C2AF-8ACF-1D51A422590E}"/>
               </a:ext>
             </a:extLst>
           </p:cNvPr>
@@ -1115,7 +1115,7 @@
           <p:cNvPr id="4" name="日期占位符 3">
             <a:extLst>
               <a:ext uri="{FF2B5EF4-FFF2-40B4-BE49-F238E27FC236}">
-                <a16:creationId xmlns:a16="http://schemas.microsoft.com/office/drawing/2014/main" id="{142F9E36-2007-5A22-4DFC-47B52D2306AE}"/>
+                <a16:creationId xmlns:a16="http://schemas.microsoft.com/office/drawing/2014/main" id="{B1263E6E-D422-583F-737C-A06F3ACDA98C}"/>
               </a:ext>
             </a:extLst>
           </p:cNvPr>
@@ -1131,7 +1131,7 @@
           <a:bodyPr/>
           <a:lstStyle/>
           <a:p>
-            <a:fld id="{3C6690E3-5903-431B-AB2E-CD27FC6C7B76}" type="datetimeFigureOut">
+            <a:fld id="{3119A945-9B79-4EDB-80D6-373CBF91E915}" type="datetimeFigureOut">
               <a:rPr lang="zh-CN" altLang="en-US" smtClean="0"/>
               <a:t>2024/3/10</a:t>
             </a:fld>
@@ -1144,7 +1144,7 @@
           <p:cNvPr id="5" name="页脚占位符 4">
             <a:extLst>
               <a:ext uri="{FF2B5EF4-FFF2-40B4-BE49-F238E27FC236}">
-                <a16:creationId xmlns:a16="http://schemas.microsoft.com/office/drawing/2014/main" id="{5879B82E-E218-3595-B8FD-115458A8CED2}"/>
+                <a16:creationId xmlns:a16="http://schemas.microsoft.com/office/drawing/2014/main" id="{72774389-22C3-4A80-569F-897ECA1257B4}"/>
               </a:ext>
             </a:extLst>
           </p:cNvPr>
@@ -1169,7 +1169,7 @@
           <p:cNvPr id="6" name="灯片编号占位符 5">
             <a:extLst>
               <a:ext uri="{FF2B5EF4-FFF2-40B4-BE49-F238E27FC236}">
-                <a16:creationId xmlns:a16="http://schemas.microsoft.com/office/drawing/2014/main" id="{3F20A423-D643-8863-3A14-0C4BB0F9A1A8}"/>
+                <a16:creationId xmlns:a16="http://schemas.microsoft.com/office/drawing/2014/main" id="{FD56E6EB-2ACC-B741-D9A3-A661DF0797FD}"/>
               </a:ext>
             </a:extLst>
           </p:cNvPr>
@@ -1185,7 +1185,7 @@
           <a:bodyPr/>
           <a:lstStyle/>
           <a:p>
-            <a:fld id="{F2A3EF8B-C0B0-434C-AB0D-2D842AA33D39}" type="slidenum">
+            <a:fld id="{556BCA43-3792-4DEB-BA6F-C5C3FAFE0215}" type="slidenum">
               <a:rPr lang="zh-CN" altLang="en-US" smtClean="0"/>
               <a:t>‹#›</a:t>
             </a:fld>
@@ -1196,7 +1196,7 @@
     </p:spTree>
     <p:extLst>
       <p:ext uri="{BB962C8B-B14F-4D97-AF65-F5344CB8AC3E}">
-        <p14:creationId xmlns:p14="http://schemas.microsoft.com/office/powerpoint/2010/main" val="2286027089"/>
+        <p14:creationId xmlns:p14="http://schemas.microsoft.com/office/powerpoint/2010/main" val="417165827"/>
       </p:ext>
     </p:extLst>
   </p:cSld>
@@ -1228,7 +1228,7 @@
           <p:cNvPr id="2" name="标题 1">
             <a:extLst>
               <a:ext uri="{FF2B5EF4-FFF2-40B4-BE49-F238E27FC236}">
-                <a16:creationId xmlns:a16="http://schemas.microsoft.com/office/drawing/2014/main" id="{1933F8E8-08FD-1924-6F1E-2E112CFD20EA}"/>
+                <a16:creationId xmlns:a16="http://schemas.microsoft.com/office/drawing/2014/main" id="{FA8331DD-849C-1AB2-FA33-F3FC7C28DB16}"/>
               </a:ext>
             </a:extLst>
           </p:cNvPr>
@@ -1256,7 +1256,7 @@
           <p:cNvPr id="3" name="内容占位符 2">
             <a:extLst>
               <a:ext uri="{FF2B5EF4-FFF2-40B4-BE49-F238E27FC236}">
-                <a16:creationId xmlns:a16="http://schemas.microsoft.com/office/drawing/2014/main" id="{5CA029FB-DA72-B9DE-1B9D-78539BBEE57B}"/>
+                <a16:creationId xmlns:a16="http://schemas.microsoft.com/office/drawing/2014/main" id="{AE28E5C3-885C-55DE-1AFA-34F66ACB9BC7}"/>
               </a:ext>
             </a:extLst>
           </p:cNvPr>
@@ -1318,7 +1318,7 @@
           <p:cNvPr id="4" name="内容占位符 3">
             <a:extLst>
               <a:ext uri="{FF2B5EF4-FFF2-40B4-BE49-F238E27FC236}">
-                <a16:creationId xmlns:a16="http://schemas.microsoft.com/office/drawing/2014/main" id="{7E8D4621-322D-3E44-421D-50A0C13DDF7E}"/>
+                <a16:creationId xmlns:a16="http://schemas.microsoft.com/office/drawing/2014/main" id="{8F83B1A1-7CF4-B487-4E45-1B4AC731600E}"/>
               </a:ext>
             </a:extLst>
           </p:cNvPr>
@@ -1380,7 +1380,7 @@
           <p:cNvPr id="5" name="日期占位符 4">
             <a:extLst>
               <a:ext uri="{FF2B5EF4-FFF2-40B4-BE49-F238E27FC236}">
-                <a16:creationId xmlns:a16="http://schemas.microsoft.com/office/drawing/2014/main" id="{AF80A7C3-C73D-0222-BA67-01E5E15B5AE7}"/>
+                <a16:creationId xmlns:a16="http://schemas.microsoft.com/office/drawing/2014/main" id="{294836CA-19F6-D4B6-5D65-ED035186EB93}"/>
               </a:ext>
             </a:extLst>
           </p:cNvPr>
@@ -1396,7 +1396,7 @@
           <a:bodyPr/>
           <a:lstStyle/>
           <a:p>
-            <a:fld id="{3C6690E3-5903-431B-AB2E-CD27FC6C7B76}" type="datetimeFigureOut">
+            <a:fld id="{3119A945-9B79-4EDB-80D6-373CBF91E915}" type="datetimeFigureOut">
               <a:rPr lang="zh-CN" altLang="en-US" smtClean="0"/>
               <a:t>2024/3/10</a:t>
             </a:fld>
@@ -1409,7 +1409,7 @@
           <p:cNvPr id="6" name="页脚占位符 5">
             <a:extLst>
               <a:ext uri="{FF2B5EF4-FFF2-40B4-BE49-F238E27FC236}">
-                <a16:creationId xmlns:a16="http://schemas.microsoft.com/office/drawing/2014/main" id="{023F64C9-4463-B05B-936A-CFE218D54F2F}"/>
+                <a16:creationId xmlns:a16="http://schemas.microsoft.com/office/drawing/2014/main" id="{916D01DD-3A39-453E-B5A2-AC51917AE369}"/>
               </a:ext>
             </a:extLst>
           </p:cNvPr>
@@ -1434,7 +1434,7 @@
           <p:cNvPr id="7" name="灯片编号占位符 6">
             <a:extLst>
               <a:ext uri="{FF2B5EF4-FFF2-40B4-BE49-F238E27FC236}">
-                <a16:creationId xmlns:a16="http://schemas.microsoft.com/office/drawing/2014/main" id="{DF986642-FA38-F870-5FC3-5B68C077CA1A}"/>
+                <a16:creationId xmlns:a16="http://schemas.microsoft.com/office/drawing/2014/main" id="{1348DB9D-B366-01E7-55C9-8A5F872FCCD0}"/>
               </a:ext>
             </a:extLst>
           </p:cNvPr>
@@ -1450,7 +1450,7 @@
           <a:bodyPr/>
           <a:lstStyle/>
           <a:p>
-            <a:fld id="{F2A3EF8B-C0B0-434C-AB0D-2D842AA33D39}" type="slidenum">
+            <a:fld id="{556BCA43-3792-4DEB-BA6F-C5C3FAFE0215}" type="slidenum">
               <a:rPr lang="zh-CN" altLang="en-US" smtClean="0"/>
               <a:t>‹#›</a:t>
             </a:fld>
@@ -1461,7 +1461,7 @@
     </p:spTree>
     <p:extLst>
       <p:ext uri="{BB962C8B-B14F-4D97-AF65-F5344CB8AC3E}">
-        <p14:creationId xmlns:p14="http://schemas.microsoft.com/office/powerpoint/2010/main" val="3302986348"/>
+        <p14:creationId xmlns:p14="http://schemas.microsoft.com/office/powerpoint/2010/main" val="817501615"/>
       </p:ext>
     </p:extLst>
   </p:cSld>
@@ -1493,7 +1493,7 @@
           <p:cNvPr id="2" name="标题 1">
             <a:extLst>
               <a:ext uri="{FF2B5EF4-FFF2-40B4-BE49-F238E27FC236}">
-                <a16:creationId xmlns:a16="http://schemas.microsoft.com/office/drawing/2014/main" id="{CF25B206-AECC-EFEF-B7A5-1662B69EEE88}"/>
+                <a16:creationId xmlns:a16="http://schemas.microsoft.com/office/drawing/2014/main" id="{BDB6CA2B-85E0-174C-E255-2AD7C4E3971C}"/>
               </a:ext>
             </a:extLst>
           </p:cNvPr>
@@ -1526,7 +1526,7 @@
           <p:cNvPr id="3" name="文本占位符 2">
             <a:extLst>
               <a:ext uri="{FF2B5EF4-FFF2-40B4-BE49-F238E27FC236}">
-                <a16:creationId xmlns:a16="http://schemas.microsoft.com/office/drawing/2014/main" id="{06D1F323-BC3C-A6CC-1D3A-12FE10EEFA4D}"/>
+                <a16:creationId xmlns:a16="http://schemas.microsoft.com/office/drawing/2014/main" id="{CB8C9378-E6B4-4416-A89B-8DC45FF160B4}"/>
               </a:ext>
             </a:extLst>
           </p:cNvPr>
@@ -1597,7 +1597,7 @@
           <p:cNvPr id="4" name="内容占位符 3">
             <a:extLst>
               <a:ext uri="{FF2B5EF4-FFF2-40B4-BE49-F238E27FC236}">
-                <a16:creationId xmlns:a16="http://schemas.microsoft.com/office/drawing/2014/main" id="{E934AE5A-5DC7-CDB1-7CCF-1EC99FA3B11F}"/>
+                <a16:creationId xmlns:a16="http://schemas.microsoft.com/office/drawing/2014/main" id="{C88AFB95-61D6-4B93-2331-CF7A19804940}"/>
               </a:ext>
             </a:extLst>
           </p:cNvPr>
@@ -1659,7 +1659,7 @@
           <p:cNvPr id="5" name="文本占位符 4">
             <a:extLst>
               <a:ext uri="{FF2B5EF4-FFF2-40B4-BE49-F238E27FC236}">
-                <a16:creationId xmlns:a16="http://schemas.microsoft.com/office/drawing/2014/main" id="{6A229453-ECE3-02BD-E361-327C758D01EE}"/>
+                <a16:creationId xmlns:a16="http://schemas.microsoft.com/office/drawing/2014/main" id="{5DF42718-3D69-2E26-EF3A-C57E5E675F80}"/>
               </a:ext>
             </a:extLst>
           </p:cNvPr>
@@ -1730,7 +1730,7 @@
           <p:cNvPr id="6" name="内容占位符 5">
             <a:extLst>
               <a:ext uri="{FF2B5EF4-FFF2-40B4-BE49-F238E27FC236}">
-                <a16:creationId xmlns:a16="http://schemas.microsoft.com/office/drawing/2014/main" id="{21EF0498-30D4-4B68-44B8-53652F45D798}"/>
+                <a16:creationId xmlns:a16="http://schemas.microsoft.com/office/drawing/2014/main" id="{19BC721E-2CF2-35EA-016D-84056F04A0C1}"/>
               </a:ext>
             </a:extLst>
           </p:cNvPr>
@@ -1792,7 +1792,7 @@
           <p:cNvPr id="7" name="日期占位符 6">
             <a:extLst>
               <a:ext uri="{FF2B5EF4-FFF2-40B4-BE49-F238E27FC236}">
-                <a16:creationId xmlns:a16="http://schemas.microsoft.com/office/drawing/2014/main" id="{7534A16F-042C-9F5C-EA69-6DEF99183761}"/>
+                <a16:creationId xmlns:a16="http://schemas.microsoft.com/office/drawing/2014/main" id="{5EF2809A-7330-9626-1F64-9550EFA8E22F}"/>
               </a:ext>
             </a:extLst>
           </p:cNvPr>
@@ -1808,7 +1808,7 @@
           <a:bodyPr/>
           <a:lstStyle/>
           <a:p>
-            <a:fld id="{3C6690E3-5903-431B-AB2E-CD27FC6C7B76}" type="datetimeFigureOut">
+            <a:fld id="{3119A945-9B79-4EDB-80D6-373CBF91E915}" type="datetimeFigureOut">
               <a:rPr lang="zh-CN" altLang="en-US" smtClean="0"/>
               <a:t>2024/3/10</a:t>
             </a:fld>
@@ -1821,7 +1821,7 @@
           <p:cNvPr id="8" name="页脚占位符 7">
             <a:extLst>
               <a:ext uri="{FF2B5EF4-FFF2-40B4-BE49-F238E27FC236}">
-                <a16:creationId xmlns:a16="http://schemas.microsoft.com/office/drawing/2014/main" id="{452DE214-8FFD-F0C0-3678-96F291A79613}"/>
+                <a16:creationId xmlns:a16="http://schemas.microsoft.com/office/drawing/2014/main" id="{35DE2B6F-566B-ABC3-EE80-4F665B8EAE87}"/>
               </a:ext>
             </a:extLst>
           </p:cNvPr>
@@ -1846,7 +1846,7 @@
           <p:cNvPr id="9" name="灯片编号占位符 8">
             <a:extLst>
               <a:ext uri="{FF2B5EF4-FFF2-40B4-BE49-F238E27FC236}">
-                <a16:creationId xmlns:a16="http://schemas.microsoft.com/office/drawing/2014/main" id="{4B3F607E-8BDD-57B4-135C-DE25F91B1A22}"/>
+                <a16:creationId xmlns:a16="http://schemas.microsoft.com/office/drawing/2014/main" id="{2021C644-3B9B-09FC-1090-16384DC26141}"/>
               </a:ext>
             </a:extLst>
           </p:cNvPr>
@@ -1862,7 +1862,7 @@
           <a:bodyPr/>
           <a:lstStyle/>
           <a:p>
-            <a:fld id="{F2A3EF8B-C0B0-434C-AB0D-2D842AA33D39}" type="slidenum">
+            <a:fld id="{556BCA43-3792-4DEB-BA6F-C5C3FAFE0215}" type="slidenum">
               <a:rPr lang="zh-CN" altLang="en-US" smtClean="0"/>
               <a:t>‹#›</a:t>
             </a:fld>
@@ -1873,7 +1873,7 @@
     </p:spTree>
     <p:extLst>
       <p:ext uri="{BB962C8B-B14F-4D97-AF65-F5344CB8AC3E}">
-        <p14:creationId xmlns:p14="http://schemas.microsoft.com/office/powerpoint/2010/main" val="3510781859"/>
+        <p14:creationId xmlns:p14="http://schemas.microsoft.com/office/powerpoint/2010/main" val="481663989"/>
       </p:ext>
     </p:extLst>
   </p:cSld>
@@ -1905,7 +1905,7 @@
           <p:cNvPr id="2" name="标题 1">
             <a:extLst>
               <a:ext uri="{FF2B5EF4-FFF2-40B4-BE49-F238E27FC236}">
-                <a16:creationId xmlns:a16="http://schemas.microsoft.com/office/drawing/2014/main" id="{F88F4C34-84E8-EC66-A7F0-DD822437D19C}"/>
+                <a16:creationId xmlns:a16="http://schemas.microsoft.com/office/drawing/2014/main" id="{2BD300CF-9472-A0D5-9AB5-1FBBB128E781}"/>
               </a:ext>
             </a:extLst>
           </p:cNvPr>
@@ -1933,7 +1933,7 @@
           <p:cNvPr id="3" name="日期占位符 2">
             <a:extLst>
               <a:ext uri="{FF2B5EF4-FFF2-40B4-BE49-F238E27FC236}">
-                <a16:creationId xmlns:a16="http://schemas.microsoft.com/office/drawing/2014/main" id="{A93156C1-AC30-A1D5-0CE0-04B424C4BA9C}"/>
+                <a16:creationId xmlns:a16="http://schemas.microsoft.com/office/drawing/2014/main" id="{AA9E975D-063B-F281-0257-E36E119BAD5B}"/>
               </a:ext>
             </a:extLst>
           </p:cNvPr>
@@ -1949,7 +1949,7 @@
           <a:bodyPr/>
           <a:lstStyle/>
           <a:p>
-            <a:fld id="{3C6690E3-5903-431B-AB2E-CD27FC6C7B76}" type="datetimeFigureOut">
+            <a:fld id="{3119A945-9B79-4EDB-80D6-373CBF91E915}" type="datetimeFigureOut">
               <a:rPr lang="zh-CN" altLang="en-US" smtClean="0"/>
               <a:t>2024/3/10</a:t>
             </a:fld>
@@ -1962,7 +1962,7 @@
           <p:cNvPr id="4" name="页脚占位符 3">
             <a:extLst>
               <a:ext uri="{FF2B5EF4-FFF2-40B4-BE49-F238E27FC236}">
-                <a16:creationId xmlns:a16="http://schemas.microsoft.com/office/drawing/2014/main" id="{90476281-2432-1C28-84F6-0679F1709E19}"/>
+                <a16:creationId xmlns:a16="http://schemas.microsoft.com/office/drawing/2014/main" id="{7FFD9899-64E5-B6C1-B607-6B0D10F2E1EF}"/>
               </a:ext>
             </a:extLst>
           </p:cNvPr>
@@ -1987,7 +1987,7 @@
           <p:cNvPr id="5" name="灯片编号占位符 4">
             <a:extLst>
               <a:ext uri="{FF2B5EF4-FFF2-40B4-BE49-F238E27FC236}">
-                <a16:creationId xmlns:a16="http://schemas.microsoft.com/office/drawing/2014/main" id="{6003C7DC-043D-E5A3-A2C1-0FF64B4851C2}"/>
+                <a16:creationId xmlns:a16="http://schemas.microsoft.com/office/drawing/2014/main" id="{557C3AFE-E36B-ABB2-079D-433A84054C38}"/>
               </a:ext>
             </a:extLst>
           </p:cNvPr>
@@ -2003,7 +2003,7 @@
           <a:bodyPr/>
           <a:lstStyle/>
           <a:p>
-            <a:fld id="{F2A3EF8B-C0B0-434C-AB0D-2D842AA33D39}" type="slidenum">
+            <a:fld id="{556BCA43-3792-4DEB-BA6F-C5C3FAFE0215}" type="slidenum">
               <a:rPr lang="zh-CN" altLang="en-US" smtClean="0"/>
               <a:t>‹#›</a:t>
             </a:fld>
@@ -2014,7 +2014,7 @@
     </p:spTree>
     <p:extLst>
       <p:ext uri="{BB962C8B-B14F-4D97-AF65-F5344CB8AC3E}">
-        <p14:creationId xmlns:p14="http://schemas.microsoft.com/office/powerpoint/2010/main" val="3566033033"/>
+        <p14:creationId xmlns:p14="http://schemas.microsoft.com/office/powerpoint/2010/main" val="1488311242"/>
       </p:ext>
     </p:extLst>
   </p:cSld>
@@ -2046,7 +2046,7 @@
           <p:cNvPr id="2" name="日期占位符 1">
             <a:extLst>
               <a:ext uri="{FF2B5EF4-FFF2-40B4-BE49-F238E27FC236}">
-                <a16:creationId xmlns:a16="http://schemas.microsoft.com/office/drawing/2014/main" id="{06B095E8-E7A7-D787-004A-09C493894A26}"/>
+                <a16:creationId xmlns:a16="http://schemas.microsoft.com/office/drawing/2014/main" id="{95D3EE76-7BE8-CF87-83BD-543481A6ACE8}"/>
               </a:ext>
             </a:extLst>
           </p:cNvPr>
@@ -2062,7 +2062,7 @@
           <a:bodyPr/>
           <a:lstStyle/>
           <a:p>
-            <a:fld id="{3C6690E3-5903-431B-AB2E-CD27FC6C7B76}" type="datetimeFigureOut">
+            <a:fld id="{3119A945-9B79-4EDB-80D6-373CBF91E915}" type="datetimeFigureOut">
               <a:rPr lang="zh-CN" altLang="en-US" smtClean="0"/>
               <a:t>2024/3/10</a:t>
             </a:fld>
@@ -2075,7 +2075,7 @@
           <p:cNvPr id="3" name="页脚占位符 2">
             <a:extLst>
               <a:ext uri="{FF2B5EF4-FFF2-40B4-BE49-F238E27FC236}">
-                <a16:creationId xmlns:a16="http://schemas.microsoft.com/office/drawing/2014/main" id="{276F6FF5-C3EF-27D2-9CFD-F11EB03EF4DF}"/>
+                <a16:creationId xmlns:a16="http://schemas.microsoft.com/office/drawing/2014/main" id="{4CF4F95E-86D5-F9AD-605B-3BC7CF200B8F}"/>
               </a:ext>
             </a:extLst>
           </p:cNvPr>
@@ -2100,7 +2100,7 @@
           <p:cNvPr id="4" name="灯片编号占位符 3">
             <a:extLst>
               <a:ext uri="{FF2B5EF4-FFF2-40B4-BE49-F238E27FC236}">
-                <a16:creationId xmlns:a16="http://schemas.microsoft.com/office/drawing/2014/main" id="{4368FE8D-E276-9A90-D9B9-3F85BA408005}"/>
+                <a16:creationId xmlns:a16="http://schemas.microsoft.com/office/drawing/2014/main" id="{67FCFBC4-8FB7-34ED-3E39-A6332DDD2EF4}"/>
               </a:ext>
             </a:extLst>
           </p:cNvPr>
@@ -2116,7 +2116,7 @@
           <a:bodyPr/>
           <a:lstStyle/>
           <a:p>
-            <a:fld id="{F2A3EF8B-C0B0-434C-AB0D-2D842AA33D39}" type="slidenum">
+            <a:fld id="{556BCA43-3792-4DEB-BA6F-C5C3FAFE0215}" type="slidenum">
               <a:rPr lang="zh-CN" altLang="en-US" smtClean="0"/>
               <a:t>‹#›</a:t>
             </a:fld>
@@ -2127,7 +2127,7 @@
     </p:spTree>
     <p:extLst>
       <p:ext uri="{BB962C8B-B14F-4D97-AF65-F5344CB8AC3E}">
-        <p14:creationId xmlns:p14="http://schemas.microsoft.com/office/powerpoint/2010/main" val="2380423679"/>
+        <p14:creationId xmlns:p14="http://schemas.microsoft.com/office/powerpoint/2010/main" val="3755941277"/>
       </p:ext>
     </p:extLst>
   </p:cSld>
@@ -2159,7 +2159,7 @@
           <p:cNvPr id="2" name="标题 1">
             <a:extLst>
               <a:ext uri="{FF2B5EF4-FFF2-40B4-BE49-F238E27FC236}">
-                <a16:creationId xmlns:a16="http://schemas.microsoft.com/office/drawing/2014/main" id="{11BFCE2F-9B7C-CAC2-285B-6DE1BB6F8757}"/>
+                <a16:creationId xmlns:a16="http://schemas.microsoft.com/office/drawing/2014/main" id="{070E0045-6F35-188E-48F3-C88A163940C5}"/>
               </a:ext>
             </a:extLst>
           </p:cNvPr>
@@ -2196,7 +2196,7 @@
           <p:cNvPr id="3" name="内容占位符 2">
             <a:extLst>
               <a:ext uri="{FF2B5EF4-FFF2-40B4-BE49-F238E27FC236}">
-                <a16:creationId xmlns:a16="http://schemas.microsoft.com/office/drawing/2014/main" id="{9743A352-2988-8777-5331-87CADE9EA3BC}"/>
+                <a16:creationId xmlns:a16="http://schemas.microsoft.com/office/drawing/2014/main" id="{860FB485-4A48-D24C-2EA1-7B865FB20D43}"/>
               </a:ext>
             </a:extLst>
           </p:cNvPr>
@@ -2286,7 +2286,7 @@
           <p:cNvPr id="4" name="文本占位符 3">
             <a:extLst>
               <a:ext uri="{FF2B5EF4-FFF2-40B4-BE49-F238E27FC236}">
-                <a16:creationId xmlns:a16="http://schemas.microsoft.com/office/drawing/2014/main" id="{A8819C4B-74F5-AC09-42A1-B4CC6979F8F7}"/>
+                <a16:creationId xmlns:a16="http://schemas.microsoft.com/office/drawing/2014/main" id="{AE8E6284-6507-5601-E00E-B85A53BF20DF}"/>
               </a:ext>
             </a:extLst>
           </p:cNvPr>
@@ -2357,7 +2357,7 @@
           <p:cNvPr id="5" name="日期占位符 4">
             <a:extLst>
               <a:ext uri="{FF2B5EF4-FFF2-40B4-BE49-F238E27FC236}">
-                <a16:creationId xmlns:a16="http://schemas.microsoft.com/office/drawing/2014/main" id="{40305004-54B9-0C05-8A02-D6794E970172}"/>
+                <a16:creationId xmlns:a16="http://schemas.microsoft.com/office/drawing/2014/main" id="{86B9DE47-CED7-360C-866C-9994F7BFB20C}"/>
               </a:ext>
             </a:extLst>
           </p:cNvPr>
@@ -2373,7 +2373,7 @@
           <a:bodyPr/>
           <a:lstStyle/>
           <a:p>
-            <a:fld id="{3C6690E3-5903-431B-AB2E-CD27FC6C7B76}" type="datetimeFigureOut">
+            <a:fld id="{3119A945-9B79-4EDB-80D6-373CBF91E915}" type="datetimeFigureOut">
               <a:rPr lang="zh-CN" altLang="en-US" smtClean="0"/>
               <a:t>2024/3/10</a:t>
             </a:fld>
@@ -2386,7 +2386,7 @@
           <p:cNvPr id="6" name="页脚占位符 5">
             <a:extLst>
               <a:ext uri="{FF2B5EF4-FFF2-40B4-BE49-F238E27FC236}">
-                <a16:creationId xmlns:a16="http://schemas.microsoft.com/office/drawing/2014/main" id="{A60B008C-434D-656A-79CC-D9AE39136040}"/>
+                <a16:creationId xmlns:a16="http://schemas.microsoft.com/office/drawing/2014/main" id="{CCD5309A-4F0F-9FA4-4EE6-A4C8990DAFFE}"/>
               </a:ext>
             </a:extLst>
           </p:cNvPr>
@@ -2411,7 +2411,7 @@
           <p:cNvPr id="7" name="灯片编号占位符 6">
             <a:extLst>
               <a:ext uri="{FF2B5EF4-FFF2-40B4-BE49-F238E27FC236}">
-                <a16:creationId xmlns:a16="http://schemas.microsoft.com/office/drawing/2014/main" id="{47DB06D6-197B-BCC9-453B-7EFC66533201}"/>
+                <a16:creationId xmlns:a16="http://schemas.microsoft.com/office/drawing/2014/main" id="{D41A8AA0-4C52-5073-B2A3-D93DDDE6DCAE}"/>
               </a:ext>
             </a:extLst>
           </p:cNvPr>
@@ -2427,7 +2427,7 @@
           <a:bodyPr/>
           <a:lstStyle/>
           <a:p>
-            <a:fld id="{F2A3EF8B-C0B0-434C-AB0D-2D842AA33D39}" type="slidenum">
+            <a:fld id="{556BCA43-3792-4DEB-BA6F-C5C3FAFE0215}" type="slidenum">
               <a:rPr lang="zh-CN" altLang="en-US" smtClean="0"/>
               <a:t>‹#›</a:t>
             </a:fld>
@@ -2438,7 +2438,7 @@
     </p:spTree>
     <p:extLst>
       <p:ext uri="{BB962C8B-B14F-4D97-AF65-F5344CB8AC3E}">
-        <p14:creationId xmlns:p14="http://schemas.microsoft.com/office/powerpoint/2010/main" val="2824341308"/>
+        <p14:creationId xmlns:p14="http://schemas.microsoft.com/office/powerpoint/2010/main" val="2604515568"/>
       </p:ext>
     </p:extLst>
   </p:cSld>
@@ -2470,7 +2470,7 @@
           <p:cNvPr id="2" name="标题 1">
             <a:extLst>
               <a:ext uri="{FF2B5EF4-FFF2-40B4-BE49-F238E27FC236}">
-                <a16:creationId xmlns:a16="http://schemas.microsoft.com/office/drawing/2014/main" id="{043C1499-2F05-8BE9-9B64-1BC72E1432C2}"/>
+                <a16:creationId xmlns:a16="http://schemas.microsoft.com/office/drawing/2014/main" id="{378EC6CA-FC34-EEFB-4531-526F306465C8}"/>
               </a:ext>
             </a:extLst>
           </p:cNvPr>
@@ -2507,7 +2507,7 @@
           <p:cNvPr id="3" name="图片占位符 2">
             <a:extLst>
               <a:ext uri="{FF2B5EF4-FFF2-40B4-BE49-F238E27FC236}">
-                <a16:creationId xmlns:a16="http://schemas.microsoft.com/office/drawing/2014/main" id="{5333FA99-3C8E-0581-2FB1-DB373686F873}"/>
+                <a16:creationId xmlns:a16="http://schemas.microsoft.com/office/drawing/2014/main" id="{F2CCEBF2-1A48-0EF3-DDD1-7B618C0E4078}"/>
               </a:ext>
             </a:extLst>
           </p:cNvPr>
@@ -2574,7 +2574,7 @@
           <p:cNvPr id="4" name="文本占位符 3">
             <a:extLst>
               <a:ext uri="{FF2B5EF4-FFF2-40B4-BE49-F238E27FC236}">
-                <a16:creationId xmlns:a16="http://schemas.microsoft.com/office/drawing/2014/main" id="{653933C3-8CCA-FAC3-F433-5445E021D84B}"/>
+                <a16:creationId xmlns:a16="http://schemas.microsoft.com/office/drawing/2014/main" id="{C4B7C80C-559A-3FD2-7193-77C32C7DF1DA}"/>
               </a:ext>
             </a:extLst>
           </p:cNvPr>
@@ -2645,7 +2645,7 @@
           <p:cNvPr id="5" name="日期占位符 4">
             <a:extLst>
               <a:ext uri="{FF2B5EF4-FFF2-40B4-BE49-F238E27FC236}">
-                <a16:creationId xmlns:a16="http://schemas.microsoft.com/office/drawing/2014/main" id="{49BEB85A-4DE7-C758-EAD3-0BE65A9AF391}"/>
+                <a16:creationId xmlns:a16="http://schemas.microsoft.com/office/drawing/2014/main" id="{53E1EC9D-D2E4-56BE-72B1-CA200200B193}"/>
               </a:ext>
             </a:extLst>
           </p:cNvPr>
@@ -2661,7 +2661,7 @@
           <a:bodyPr/>
           <a:lstStyle/>
           <a:p>
-            <a:fld id="{3C6690E3-5903-431B-AB2E-CD27FC6C7B76}" type="datetimeFigureOut">
+            <a:fld id="{3119A945-9B79-4EDB-80D6-373CBF91E915}" type="datetimeFigureOut">
               <a:rPr lang="zh-CN" altLang="en-US" smtClean="0"/>
               <a:t>2024/3/10</a:t>
             </a:fld>
@@ -2674,7 +2674,7 @@
           <p:cNvPr id="6" name="页脚占位符 5">
             <a:extLst>
               <a:ext uri="{FF2B5EF4-FFF2-40B4-BE49-F238E27FC236}">
-                <a16:creationId xmlns:a16="http://schemas.microsoft.com/office/drawing/2014/main" id="{FB316FF1-A981-968D-DAFA-357014E92E1B}"/>
+                <a16:creationId xmlns:a16="http://schemas.microsoft.com/office/drawing/2014/main" id="{5B91B700-8178-F07E-B180-A621A355F3BF}"/>
               </a:ext>
             </a:extLst>
           </p:cNvPr>
@@ -2699,7 +2699,7 @@
           <p:cNvPr id="7" name="灯片编号占位符 6">
             <a:extLst>
               <a:ext uri="{FF2B5EF4-FFF2-40B4-BE49-F238E27FC236}">
-                <a16:creationId xmlns:a16="http://schemas.microsoft.com/office/drawing/2014/main" id="{D9A1A6F1-96C8-CFBC-65EC-B49206BF00B9}"/>
+                <a16:creationId xmlns:a16="http://schemas.microsoft.com/office/drawing/2014/main" id="{A426F429-2742-2E78-636D-EC15E5F91711}"/>
               </a:ext>
             </a:extLst>
           </p:cNvPr>
@@ -2715,7 +2715,7 @@
           <a:bodyPr/>
           <a:lstStyle/>
           <a:p>
-            <a:fld id="{F2A3EF8B-C0B0-434C-AB0D-2D842AA33D39}" type="slidenum">
+            <a:fld id="{556BCA43-3792-4DEB-BA6F-C5C3FAFE0215}" type="slidenum">
               <a:rPr lang="zh-CN" altLang="en-US" smtClean="0"/>
               <a:t>‹#›</a:t>
             </a:fld>
@@ -2726,7 +2726,7 @@
     </p:spTree>
     <p:extLst>
       <p:ext uri="{BB962C8B-B14F-4D97-AF65-F5344CB8AC3E}">
-        <p14:creationId xmlns:p14="http://schemas.microsoft.com/office/powerpoint/2010/main" val="2041720721"/>
+        <p14:creationId xmlns:p14="http://schemas.microsoft.com/office/powerpoint/2010/main" val="634529855"/>
       </p:ext>
     </p:extLst>
   </p:cSld>
@@ -2763,7 +2763,7 @@
           <p:cNvPr id="2" name="标题占位符 1">
             <a:extLst>
               <a:ext uri="{FF2B5EF4-FFF2-40B4-BE49-F238E27FC236}">
-                <a16:creationId xmlns:a16="http://schemas.microsoft.com/office/drawing/2014/main" id="{03262C4F-63F5-9AED-5AE5-BFE30DD228C6}"/>
+                <a16:creationId xmlns:a16="http://schemas.microsoft.com/office/drawing/2014/main" id="{7761C9F3-530C-73D5-EEB1-266E86DE9BC2}"/>
               </a:ext>
             </a:extLst>
           </p:cNvPr>
@@ -2801,7 +2801,7 @@
           <p:cNvPr id="3" name="文本占位符 2">
             <a:extLst>
               <a:ext uri="{FF2B5EF4-FFF2-40B4-BE49-F238E27FC236}">
-                <a16:creationId xmlns:a16="http://schemas.microsoft.com/office/drawing/2014/main" id="{DBBF6871-A5E1-DF68-A4E9-EF0D9AEAFB51}"/>
+                <a16:creationId xmlns:a16="http://schemas.microsoft.com/office/drawing/2014/main" id="{A9B75479-5C94-05D9-1C1F-0E6E9EB37097}"/>
               </a:ext>
             </a:extLst>
           </p:cNvPr>
@@ -2868,7 +2868,7 @@
           <p:cNvPr id="4" name="日期占位符 3">
             <a:extLst>
               <a:ext uri="{FF2B5EF4-FFF2-40B4-BE49-F238E27FC236}">
-                <a16:creationId xmlns:a16="http://schemas.microsoft.com/office/drawing/2014/main" id="{DE629AFB-475D-8F3E-80B6-8ABB72D94DD9}"/>
+                <a16:creationId xmlns:a16="http://schemas.microsoft.com/office/drawing/2014/main" id="{2412FE01-C6F2-4DCE-C897-0D5DD27746CA}"/>
               </a:ext>
             </a:extLst>
           </p:cNvPr>
@@ -2902,7 +2902,7 @@
             </a:lvl1pPr>
           </a:lstStyle>
           <a:p>
-            <a:fld id="{3C6690E3-5903-431B-AB2E-CD27FC6C7B76}" type="datetimeFigureOut">
+            <a:fld id="{3119A945-9B79-4EDB-80D6-373CBF91E915}" type="datetimeFigureOut">
               <a:rPr lang="zh-CN" altLang="en-US" smtClean="0"/>
               <a:t>2024/3/10</a:t>
             </a:fld>
@@ -2915,7 +2915,7 @@
           <p:cNvPr id="5" name="页脚占位符 4">
             <a:extLst>
               <a:ext uri="{FF2B5EF4-FFF2-40B4-BE49-F238E27FC236}">
-                <a16:creationId xmlns:a16="http://schemas.microsoft.com/office/drawing/2014/main" id="{372EB361-61CD-C2C5-644C-1521FF799915}"/>
+                <a16:creationId xmlns:a16="http://schemas.microsoft.com/office/drawing/2014/main" id="{4E12D88E-DA84-3A0B-5AED-001A6801C454}"/>
               </a:ext>
             </a:extLst>
           </p:cNvPr>
@@ -2958,7 +2958,7 @@
           <p:cNvPr id="6" name="灯片编号占位符 5">
             <a:extLst>
               <a:ext uri="{FF2B5EF4-FFF2-40B4-BE49-F238E27FC236}">
-                <a16:creationId xmlns:a16="http://schemas.microsoft.com/office/drawing/2014/main" id="{5AFC4686-65B0-26F4-5123-EDEDF05F4EA5}"/>
+                <a16:creationId xmlns:a16="http://schemas.microsoft.com/office/drawing/2014/main" id="{10360B30-0417-51CC-729A-3B3A42EC7A95}"/>
               </a:ext>
             </a:extLst>
           </p:cNvPr>
@@ -2992,7 +2992,7 @@
             </a:lvl1pPr>
           </a:lstStyle>
           <a:p>
-            <a:fld id="{F2A3EF8B-C0B0-434C-AB0D-2D842AA33D39}" type="slidenum">
+            <a:fld id="{556BCA43-3792-4DEB-BA6F-C5C3FAFE0215}" type="slidenum">
               <a:rPr lang="zh-CN" altLang="en-US" smtClean="0"/>
               <a:t>‹#›</a:t>
             </a:fld>
@@ -3003,7 +3003,7 @@
     </p:spTree>
     <p:extLst>
       <p:ext uri="{BB962C8B-B14F-4D97-AF65-F5344CB8AC3E}">
-        <p14:creationId xmlns:p14="http://schemas.microsoft.com/office/powerpoint/2010/main" val="4234763109"/>
+        <p14:creationId xmlns:p14="http://schemas.microsoft.com/office/powerpoint/2010/main" val="2991528449"/>
       </p:ext>
     </p:extLst>
   </p:cSld>
